--- a/courses/cse417t/exam2.pptx
+++ b/courses/cse417t/exam2.pptx
@@ -5,11 +5,12 @@
     <p:sldMasterId id="2147483648" r:id="rId1"/>
   </p:sldMasterIdLst>
   <p:notesMasterIdLst>
-    <p:notesMasterId r:id="rId4"/>
+    <p:notesMasterId r:id="rId5"/>
   </p:notesMasterIdLst>
   <p:sldIdLst>
     <p:sldId id="558" r:id="rId2"/>
-    <p:sldId id="559" r:id="rId3"/>
+    <p:sldId id="560" r:id="rId3"/>
+    <p:sldId id="559" r:id="rId4"/>
   </p:sldIdLst>
   <p:sldSz cx="12192000" cy="6858000"/>
   <p:notesSz cx="6858000" cy="9144000"/>
@@ -198,7 +199,7 @@
           <a:p>
             <a:fld id="{82D93BB2-0CF2-674C-A455-8A0DAB3DFFE0}" type="datetimeFigureOut">
               <a:rPr lang="en-US" smtClean="0"/>
-              <a:t>4/28/22</a:t>
+              <a:t>12/8/22</a:t>
             </a:fld>
             <a:endParaRPr lang="en-US"/>
           </a:p>
@@ -594,7 +595,7 @@
           <a:p>
             <a:fld id="{584E38F9-AF6C-4941-9980-A5BFFCFC0FDD}" type="datetimeFigureOut">
               <a:rPr lang="en-US" smtClean="0"/>
-              <a:t>4/28/22</a:t>
+              <a:t>12/8/22</a:t>
             </a:fld>
             <a:endParaRPr lang="en-US"/>
           </a:p>
@@ -762,7 +763,7 @@
           <a:p>
             <a:fld id="{584E38F9-AF6C-4941-9980-A5BFFCFC0FDD}" type="datetimeFigureOut">
               <a:rPr lang="en-US" smtClean="0"/>
-              <a:t>4/28/22</a:t>
+              <a:t>12/8/22</a:t>
             </a:fld>
             <a:endParaRPr lang="en-US"/>
           </a:p>
@@ -940,7 +941,7 @@
           <a:p>
             <a:fld id="{584E38F9-AF6C-4941-9980-A5BFFCFC0FDD}" type="datetimeFigureOut">
               <a:rPr lang="en-US" smtClean="0"/>
-              <a:t>4/28/22</a:t>
+              <a:t>12/8/22</a:t>
             </a:fld>
             <a:endParaRPr lang="en-US"/>
           </a:p>
@@ -1108,7 +1109,7 @@
           <a:p>
             <a:fld id="{584E38F9-AF6C-4941-9980-A5BFFCFC0FDD}" type="datetimeFigureOut">
               <a:rPr lang="en-US" smtClean="0"/>
-              <a:t>4/28/22</a:t>
+              <a:t>12/8/22</a:t>
             </a:fld>
             <a:endParaRPr lang="en-US"/>
           </a:p>
@@ -1353,7 +1354,7 @@
           <a:p>
             <a:fld id="{584E38F9-AF6C-4941-9980-A5BFFCFC0FDD}" type="datetimeFigureOut">
               <a:rPr lang="en-US" smtClean="0"/>
-              <a:t>4/28/22</a:t>
+              <a:t>12/8/22</a:t>
             </a:fld>
             <a:endParaRPr lang="en-US"/>
           </a:p>
@@ -1582,7 +1583,7 @@
           <a:p>
             <a:fld id="{584E38F9-AF6C-4941-9980-A5BFFCFC0FDD}" type="datetimeFigureOut">
               <a:rPr lang="en-US" smtClean="0"/>
-              <a:t>4/28/22</a:t>
+              <a:t>12/8/22</a:t>
             </a:fld>
             <a:endParaRPr lang="en-US"/>
           </a:p>
@@ -1946,7 +1947,7 @@
           <a:p>
             <a:fld id="{584E38F9-AF6C-4941-9980-A5BFFCFC0FDD}" type="datetimeFigureOut">
               <a:rPr lang="en-US" smtClean="0"/>
-              <a:t>4/28/22</a:t>
+              <a:t>12/8/22</a:t>
             </a:fld>
             <a:endParaRPr lang="en-US"/>
           </a:p>
@@ -2063,7 +2064,7 @@
           <a:p>
             <a:fld id="{584E38F9-AF6C-4941-9980-A5BFFCFC0FDD}" type="datetimeFigureOut">
               <a:rPr lang="en-US" smtClean="0"/>
-              <a:t>4/28/22</a:t>
+              <a:t>12/8/22</a:t>
             </a:fld>
             <a:endParaRPr lang="en-US"/>
           </a:p>
@@ -2158,7 +2159,7 @@
           <a:p>
             <a:fld id="{584E38F9-AF6C-4941-9980-A5BFFCFC0FDD}" type="datetimeFigureOut">
               <a:rPr lang="en-US" smtClean="0"/>
-              <a:t>4/28/22</a:t>
+              <a:t>12/8/22</a:t>
             </a:fld>
             <a:endParaRPr lang="en-US"/>
           </a:p>
@@ -2433,7 +2434,7 @@
           <a:p>
             <a:fld id="{584E38F9-AF6C-4941-9980-A5BFFCFC0FDD}" type="datetimeFigureOut">
               <a:rPr lang="en-US" smtClean="0"/>
-              <a:t>4/28/22</a:t>
+              <a:t>12/8/22</a:t>
             </a:fld>
             <a:endParaRPr lang="en-US"/>
           </a:p>
@@ -2685,7 +2686,7 @@
           <a:p>
             <a:fld id="{584E38F9-AF6C-4941-9980-A5BFFCFC0FDD}" type="datetimeFigureOut">
               <a:rPr lang="en-US" smtClean="0"/>
-              <a:t>4/28/22</a:t>
+              <a:t>12/8/22</a:t>
             </a:fld>
             <a:endParaRPr lang="en-US"/>
           </a:p>
@@ -2896,7 +2897,7 @@
           <a:p>
             <a:fld id="{584E38F9-AF6C-4941-9980-A5BFFCFC0FDD}" type="datetimeFigureOut">
               <a:rPr lang="en-US" smtClean="0"/>
-              <a:t>4/28/22</a:t>
+              <a:t>12/8/22</a:t>
             </a:fld>
             <a:endParaRPr lang="en-US"/>
           </a:p>
@@ -3301,62 +3302,12 @@
           <a:chExt cx="0" cy="0"/>
         </a:xfrm>
       </p:grpSpPr>
-      <p:sp>
-        <p:nvSpPr>
-          <p:cNvPr id="2" name="Title 1">
+      <p:pic>
+        <p:nvPicPr>
+          <p:cNvPr id="5" name="Picture 4">
             <a:extLst>
               <a:ext uri="{FF2B5EF4-FFF2-40B4-BE49-F238E27FC236}">
-                <a16:creationId xmlns:a16="http://schemas.microsoft.com/office/drawing/2014/main" id="{FA91C760-22D0-C838-2EF9-38FC4791E0B5}"/>
-              </a:ext>
-            </a:extLst>
-          </p:cNvPr>
-          <p:cNvSpPr>
-            <a:spLocks noGrp="1"/>
-          </p:cNvSpPr>
-          <p:nvPr>
-            <p:ph type="title"/>
-          </p:nvPr>
-        </p:nvSpPr>
-        <p:spPr/>
-        <p:txBody>
-          <a:bodyPr/>
-          <a:lstStyle/>
-          <a:p>
-            <a:endParaRPr lang="en-US"/>
-          </a:p>
-        </p:txBody>
-      </p:sp>
-      <p:sp>
-        <p:nvSpPr>
-          <p:cNvPr id="3" name="Content Placeholder 2">
-            <a:extLst>
-              <a:ext uri="{FF2B5EF4-FFF2-40B4-BE49-F238E27FC236}">
-                <a16:creationId xmlns:a16="http://schemas.microsoft.com/office/drawing/2014/main" id="{0ACAB813-1614-9B58-5B43-A0D44E3191AF}"/>
-              </a:ext>
-            </a:extLst>
-          </p:cNvPr>
-          <p:cNvSpPr>
-            <a:spLocks noGrp="1"/>
-          </p:cNvSpPr>
-          <p:nvPr>
-            <p:ph idx="1"/>
-          </p:nvPr>
-        </p:nvSpPr>
-        <p:spPr/>
-        <p:txBody>
-          <a:bodyPr/>
-          <a:lstStyle/>
-          <a:p>
-            <a:endParaRPr lang="en-US"/>
-          </a:p>
-        </p:txBody>
-      </p:sp>
-      <p:pic>
-        <p:nvPicPr>
-          <p:cNvPr id="4" name="Picture 3">
-            <a:extLst>
-              <a:ext uri="{FF2B5EF4-FFF2-40B4-BE49-F238E27FC236}">
-                <a16:creationId xmlns:a16="http://schemas.microsoft.com/office/drawing/2014/main" id="{01546130-15EC-11A5-EEDF-0BAFD5230B3B}"/>
+                <a16:creationId xmlns:a16="http://schemas.microsoft.com/office/drawing/2014/main" id="{C2CBB5CC-7C94-31BC-8F7A-EF83F02674C0}"/>
               </a:ext>
             </a:extLst>
           </p:cNvPr>
@@ -3373,14 +3324,279 @@
         </p:blipFill>
         <p:spPr>
           <a:xfrm>
-            <a:off x="0" y="97056"/>
-            <a:ext cx="12192000" cy="6663888"/>
+            <a:off x="0" y="272143"/>
+            <a:ext cx="12026764" cy="3788228"/>
           </a:xfrm>
           <a:prstGeom prst="rect">
             <a:avLst/>
           </a:prstGeom>
         </p:spPr>
       </p:pic>
+      <p:sp>
+        <p:nvSpPr>
+          <p:cNvPr id="2" name="Content Placeholder 2">
+            <a:extLst>
+              <a:ext uri="{FF2B5EF4-FFF2-40B4-BE49-F238E27FC236}">
+                <a16:creationId xmlns:a16="http://schemas.microsoft.com/office/drawing/2014/main" id="{C294B842-BA54-8AED-3D8A-348223544CE6}"/>
+              </a:ext>
+            </a:extLst>
+          </p:cNvPr>
+          <p:cNvSpPr txBox="1">
+            <a:spLocks/>
+          </p:cNvSpPr>
+          <p:nvPr/>
+        </p:nvSpPr>
+        <p:spPr>
+          <a:xfrm>
+            <a:off x="2028422" y="4287127"/>
+            <a:ext cx="8671560" cy="2662291"/>
+          </a:xfrm>
+          <a:prstGeom prst="rect">
+            <a:avLst/>
+          </a:prstGeom>
+        </p:spPr>
+        <p:txBody>
+          <a:bodyPr vert="horz" lIns="91440" tIns="45720" rIns="91440" bIns="45720" rtlCol="0">
+            <a:normAutofit/>
+          </a:bodyPr>
+          <a:lstStyle>
+            <a:lvl1pPr marL="0" indent="0" algn="ctr" defTabSz="914400" rtl="0" eaLnBrk="1" latinLnBrk="0" hangingPunct="1">
+              <a:lnSpc>
+                <a:spcPct val="90000"/>
+              </a:lnSpc>
+              <a:spcBef>
+                <a:spcPts val="1000"/>
+              </a:spcBef>
+              <a:buFont typeface="Arial" panose="020B0604020202020204" pitchFamily="34" charset="0"/>
+              <a:buNone/>
+              <a:defRPr sz="2400" kern="1200">
+                <a:solidFill>
+                  <a:schemeClr val="tx1"/>
+                </a:solidFill>
+                <a:latin typeface="+mn-lt"/>
+                <a:ea typeface="+mn-ea"/>
+                <a:cs typeface="+mn-cs"/>
+              </a:defRPr>
+            </a:lvl1pPr>
+            <a:lvl2pPr marL="457200" indent="0" algn="ctr" defTabSz="914400" rtl="0" eaLnBrk="1" latinLnBrk="0" hangingPunct="1">
+              <a:lnSpc>
+                <a:spcPct val="90000"/>
+              </a:lnSpc>
+              <a:spcBef>
+                <a:spcPts val="500"/>
+              </a:spcBef>
+              <a:buFont typeface="Arial" panose="020B0604020202020204" pitchFamily="34" charset="0"/>
+              <a:buNone/>
+              <a:defRPr sz="2000" kern="1200">
+                <a:solidFill>
+                  <a:schemeClr val="tx1"/>
+                </a:solidFill>
+                <a:latin typeface="+mn-lt"/>
+                <a:ea typeface="+mn-ea"/>
+                <a:cs typeface="+mn-cs"/>
+              </a:defRPr>
+            </a:lvl2pPr>
+            <a:lvl3pPr marL="914400" indent="0" algn="ctr" defTabSz="914400" rtl="0" eaLnBrk="1" latinLnBrk="0" hangingPunct="1">
+              <a:lnSpc>
+                <a:spcPct val="90000"/>
+              </a:lnSpc>
+              <a:spcBef>
+                <a:spcPts val="500"/>
+              </a:spcBef>
+              <a:buFont typeface="Arial" panose="020B0604020202020204" pitchFamily="34" charset="0"/>
+              <a:buNone/>
+              <a:defRPr sz="1800" kern="1200">
+                <a:solidFill>
+                  <a:schemeClr val="tx1"/>
+                </a:solidFill>
+                <a:latin typeface="+mn-lt"/>
+                <a:ea typeface="+mn-ea"/>
+                <a:cs typeface="+mn-cs"/>
+              </a:defRPr>
+            </a:lvl3pPr>
+            <a:lvl4pPr marL="1371600" indent="0" algn="ctr" defTabSz="914400" rtl="0" eaLnBrk="1" latinLnBrk="0" hangingPunct="1">
+              <a:lnSpc>
+                <a:spcPct val="90000"/>
+              </a:lnSpc>
+              <a:spcBef>
+                <a:spcPts val="500"/>
+              </a:spcBef>
+              <a:buFont typeface="Arial" panose="020B0604020202020204" pitchFamily="34" charset="0"/>
+              <a:buNone/>
+              <a:defRPr sz="1600" kern="1200">
+                <a:solidFill>
+                  <a:schemeClr val="tx1"/>
+                </a:solidFill>
+                <a:latin typeface="+mn-lt"/>
+                <a:ea typeface="+mn-ea"/>
+                <a:cs typeface="+mn-cs"/>
+              </a:defRPr>
+            </a:lvl4pPr>
+            <a:lvl5pPr marL="1828800" indent="0" algn="ctr" defTabSz="914400" rtl="0" eaLnBrk="1" latinLnBrk="0" hangingPunct="1">
+              <a:lnSpc>
+                <a:spcPct val="90000"/>
+              </a:lnSpc>
+              <a:spcBef>
+                <a:spcPts val="500"/>
+              </a:spcBef>
+              <a:buFont typeface="Arial" panose="020B0604020202020204" pitchFamily="34" charset="0"/>
+              <a:buNone/>
+              <a:defRPr sz="1600" kern="1200">
+                <a:solidFill>
+                  <a:schemeClr val="tx1"/>
+                </a:solidFill>
+                <a:latin typeface="+mn-lt"/>
+                <a:ea typeface="+mn-ea"/>
+                <a:cs typeface="+mn-cs"/>
+              </a:defRPr>
+            </a:lvl5pPr>
+            <a:lvl6pPr marL="2286000" indent="0" algn="ctr" defTabSz="914400" rtl="0" eaLnBrk="1" latinLnBrk="0" hangingPunct="1">
+              <a:lnSpc>
+                <a:spcPct val="90000"/>
+              </a:lnSpc>
+              <a:spcBef>
+                <a:spcPts val="500"/>
+              </a:spcBef>
+              <a:buFont typeface="Arial" panose="020B0604020202020204" pitchFamily="34" charset="0"/>
+              <a:buNone/>
+              <a:defRPr sz="1600" kern="1200">
+                <a:solidFill>
+                  <a:schemeClr val="tx1"/>
+                </a:solidFill>
+                <a:latin typeface="+mn-lt"/>
+                <a:ea typeface="+mn-ea"/>
+                <a:cs typeface="+mn-cs"/>
+              </a:defRPr>
+            </a:lvl6pPr>
+            <a:lvl7pPr marL="2743200" indent="0" algn="ctr" defTabSz="914400" rtl="0" eaLnBrk="1" latinLnBrk="0" hangingPunct="1">
+              <a:lnSpc>
+                <a:spcPct val="90000"/>
+              </a:lnSpc>
+              <a:spcBef>
+                <a:spcPts val="500"/>
+              </a:spcBef>
+              <a:buFont typeface="Arial" panose="020B0604020202020204" pitchFamily="34" charset="0"/>
+              <a:buNone/>
+              <a:defRPr sz="1600" kern="1200">
+                <a:solidFill>
+                  <a:schemeClr val="tx1"/>
+                </a:solidFill>
+                <a:latin typeface="+mn-lt"/>
+                <a:ea typeface="+mn-ea"/>
+                <a:cs typeface="+mn-cs"/>
+              </a:defRPr>
+            </a:lvl7pPr>
+            <a:lvl8pPr marL="3200400" indent="0" algn="ctr" defTabSz="914400" rtl="0" eaLnBrk="1" latinLnBrk="0" hangingPunct="1">
+              <a:lnSpc>
+                <a:spcPct val="90000"/>
+              </a:lnSpc>
+              <a:spcBef>
+                <a:spcPts val="500"/>
+              </a:spcBef>
+              <a:buFont typeface="Arial" panose="020B0604020202020204" pitchFamily="34" charset="0"/>
+              <a:buNone/>
+              <a:defRPr sz="1600" kern="1200">
+                <a:solidFill>
+                  <a:schemeClr val="tx1"/>
+                </a:solidFill>
+                <a:latin typeface="+mn-lt"/>
+                <a:ea typeface="+mn-ea"/>
+                <a:cs typeface="+mn-cs"/>
+              </a:defRPr>
+            </a:lvl8pPr>
+            <a:lvl9pPr marL="3657600" indent="0" algn="ctr" defTabSz="914400" rtl="0" eaLnBrk="1" latinLnBrk="0" hangingPunct="1">
+              <a:lnSpc>
+                <a:spcPct val="90000"/>
+              </a:lnSpc>
+              <a:spcBef>
+                <a:spcPts val="500"/>
+              </a:spcBef>
+              <a:buFont typeface="Arial" panose="020B0604020202020204" pitchFamily="34" charset="0"/>
+              <a:buNone/>
+              <a:defRPr sz="1600" kern="1200">
+                <a:solidFill>
+                  <a:schemeClr val="tx1"/>
+                </a:solidFill>
+                <a:latin typeface="+mn-lt"/>
+                <a:ea typeface="+mn-ea"/>
+                <a:cs typeface="+mn-cs"/>
+              </a:defRPr>
+            </a:lvl9pPr>
+          </a:lstStyle>
+          <a:p>
+            <a:pPr marL="342900" indent="-342900" algn="l">
+              <a:buFont typeface="Arial" panose="020B0604020202020204" pitchFamily="34" charset="0"/>
+              <a:buChar char="•"/>
+            </a:pPr>
+            <a:r>
+              <a:rPr lang="en-US" dirty="0"/>
+              <a:t>Stay in the seats during the exam</a:t>
+            </a:r>
+          </a:p>
+          <a:p>
+            <a:pPr marL="800100" lvl="1" indent="-342900" algn="l">
+              <a:buFont typeface="Arial" panose="020B0604020202020204" pitchFamily="34" charset="0"/>
+              <a:buChar char="•"/>
+            </a:pPr>
+            <a:r>
+              <a:rPr lang="en-US" dirty="0"/>
+              <a:t>Raise your hand if you have questions or want to turn in the exam early.</a:t>
+            </a:r>
+          </a:p>
+          <a:p>
+            <a:pPr marL="800100" lvl="1" indent="-342900" algn="l">
+              <a:buFont typeface="Arial" panose="020B0604020202020204" pitchFamily="34" charset="0"/>
+              <a:buChar char="•"/>
+            </a:pPr>
+            <a:r>
+              <a:rPr lang="en-US" dirty="0"/>
+              <a:t>When time is up, stop writing but </a:t>
+            </a:r>
+            <a:r>
+              <a:rPr lang="en-US" b="1" dirty="0"/>
+              <a:t>do not leave the seats</a:t>
+            </a:r>
+            <a:r>
+              <a:rPr lang="en-US" dirty="0"/>
+              <a:t>. </a:t>
+            </a:r>
+            <a:br>
+              <a:rPr lang="en-US" dirty="0"/>
+            </a:br>
+            <a:r>
+              <a:rPr lang="en-US" dirty="0"/>
+              <a:t>We’ll start to collect exam papers once everyone stops writing.</a:t>
+            </a:r>
+          </a:p>
+          <a:p>
+            <a:pPr marL="800100" lvl="1" indent="-342900" algn="l">
+              <a:buFont typeface="Arial" panose="020B0604020202020204" pitchFamily="34" charset="0"/>
+              <a:buChar char="•"/>
+            </a:pPr>
+            <a:r>
+              <a:rPr lang="en-US" dirty="0"/>
+              <a:t>Please don’t turn in exam papers within 5 minutes before the exam ends. </a:t>
+            </a:r>
+          </a:p>
+          <a:p>
+            <a:pPr marL="800100" lvl="1" indent="-342900" algn="l">
+              <a:buFont typeface="Arial" panose="020B0604020202020204" pitchFamily="34" charset="0"/>
+              <a:buChar char="•"/>
+            </a:pPr>
+            <a:endParaRPr lang="en-US" dirty="0"/>
+          </a:p>
+          <a:p>
+            <a:pPr marL="342900" indent="-342900" algn="l">
+              <a:buFont typeface="Arial" panose="020B0604020202020204" pitchFamily="34" charset="0"/>
+              <a:buChar char="•"/>
+            </a:pPr>
+            <a:r>
+              <a:rPr lang="en-US" dirty="0"/>
+              <a:t>By default, I don’t clarify questions individually.</a:t>
+            </a:r>
+          </a:p>
+        </p:txBody>
+      </p:sp>
     </p:spTree>
     <p:extLst>
       <p:ext uri="{BB962C8B-B14F-4D97-AF65-F5344CB8AC3E}">
@@ -3395,6 +3611,539 @@
 </file>
 
 <file path=ppt/slides/slide2.xml><?xml version="1.0" encoding="utf-8"?>
+<p:sld xmlns:a="http://schemas.openxmlformats.org/drawingml/2006/main" xmlns:r="http://schemas.openxmlformats.org/officeDocument/2006/relationships" xmlns:p="http://schemas.openxmlformats.org/presentationml/2006/main">
+  <p:cSld>
+    <p:spTree>
+      <p:nvGrpSpPr>
+        <p:cNvPr id="1" name=""/>
+        <p:cNvGrpSpPr/>
+        <p:nvPr/>
+      </p:nvGrpSpPr>
+      <p:grpSpPr>
+        <a:xfrm>
+          <a:off x="0" y="0"/>
+          <a:ext cx="0" cy="0"/>
+          <a:chOff x="0" y="0"/>
+          <a:chExt cx="0" cy="0"/>
+        </a:xfrm>
+      </p:grpSpPr>
+      <p:pic>
+        <p:nvPicPr>
+          <p:cNvPr id="5" name="Picture 4">
+            <a:extLst>
+              <a:ext uri="{FF2B5EF4-FFF2-40B4-BE49-F238E27FC236}">
+                <a16:creationId xmlns:a16="http://schemas.microsoft.com/office/drawing/2014/main" id="{C2CBB5CC-7C94-31BC-8F7A-EF83F02674C0}"/>
+              </a:ext>
+            </a:extLst>
+          </p:cNvPr>
+          <p:cNvPicPr>
+            <a:picLocks noChangeAspect="1"/>
+          </p:cNvPicPr>
+          <p:nvPr/>
+        </p:nvPicPr>
+        <p:blipFill>
+          <a:blip r:embed="rId2"/>
+          <a:stretch>
+            <a:fillRect/>
+          </a:stretch>
+        </p:blipFill>
+        <p:spPr>
+          <a:xfrm>
+            <a:off x="0" y="272143"/>
+            <a:ext cx="12026764" cy="3788228"/>
+          </a:xfrm>
+          <a:prstGeom prst="rect">
+            <a:avLst/>
+          </a:prstGeom>
+        </p:spPr>
+      </p:pic>
+      <p:sp>
+        <p:nvSpPr>
+          <p:cNvPr id="3" name="Oval 2">
+            <a:extLst>
+              <a:ext uri="{FF2B5EF4-FFF2-40B4-BE49-F238E27FC236}">
+                <a16:creationId xmlns:a16="http://schemas.microsoft.com/office/drawing/2014/main" id="{A02BAE15-65E9-2B1C-7616-B0637C041610}"/>
+              </a:ext>
+            </a:extLst>
+          </p:cNvPr>
+          <p:cNvSpPr/>
+          <p:nvPr/>
+        </p:nvSpPr>
+        <p:spPr>
+          <a:xfrm>
+            <a:off x="2355574" y="3429000"/>
+            <a:ext cx="795130" cy="377687"/>
+          </a:xfrm>
+          <a:prstGeom prst="ellipse">
+            <a:avLst/>
+          </a:prstGeom>
+          <a:noFill/>
+          <a:ln w="76200">
+            <a:solidFill>
+              <a:srgbClr val="C00000"/>
+            </a:solidFill>
+          </a:ln>
+        </p:spPr>
+        <p:style>
+          <a:lnRef idx="2">
+            <a:schemeClr val="accent1">
+              <a:shade val="50000"/>
+            </a:schemeClr>
+          </a:lnRef>
+          <a:fillRef idx="1">
+            <a:schemeClr val="accent1"/>
+          </a:fillRef>
+          <a:effectRef idx="0">
+            <a:schemeClr val="accent1"/>
+          </a:effectRef>
+          <a:fontRef idx="minor">
+            <a:schemeClr val="lt1"/>
+          </a:fontRef>
+        </p:style>
+        <p:txBody>
+          <a:bodyPr rtlCol="0" anchor="ctr"/>
+          <a:lstStyle/>
+          <a:p>
+            <a:pPr algn="ctr"/>
+            <a:endParaRPr lang="en-US"/>
+          </a:p>
+        </p:txBody>
+      </p:sp>
+      <p:sp>
+        <p:nvSpPr>
+          <p:cNvPr id="4" name="Oval 3">
+            <a:extLst>
+              <a:ext uri="{FF2B5EF4-FFF2-40B4-BE49-F238E27FC236}">
+                <a16:creationId xmlns:a16="http://schemas.microsoft.com/office/drawing/2014/main" id="{85C96773-BBBD-3FDB-0DF7-6C345B56A2E9}"/>
+              </a:ext>
+            </a:extLst>
+          </p:cNvPr>
+          <p:cNvSpPr/>
+          <p:nvPr/>
+        </p:nvSpPr>
+        <p:spPr>
+          <a:xfrm>
+            <a:off x="3150704" y="3429000"/>
+            <a:ext cx="795130" cy="377687"/>
+          </a:xfrm>
+          <a:prstGeom prst="ellipse">
+            <a:avLst/>
+          </a:prstGeom>
+          <a:noFill/>
+          <a:ln w="76200">
+            <a:solidFill>
+              <a:srgbClr val="C00000"/>
+            </a:solidFill>
+          </a:ln>
+        </p:spPr>
+        <p:style>
+          <a:lnRef idx="2">
+            <a:schemeClr val="accent1">
+              <a:shade val="50000"/>
+            </a:schemeClr>
+          </a:lnRef>
+          <a:fillRef idx="1">
+            <a:schemeClr val="accent1"/>
+          </a:fillRef>
+          <a:effectRef idx="0">
+            <a:schemeClr val="accent1"/>
+          </a:effectRef>
+          <a:fontRef idx="minor">
+            <a:schemeClr val="lt1"/>
+          </a:fontRef>
+        </p:style>
+        <p:txBody>
+          <a:bodyPr rtlCol="0" anchor="ctr"/>
+          <a:lstStyle/>
+          <a:p>
+            <a:pPr algn="ctr"/>
+            <a:endParaRPr lang="en-US"/>
+          </a:p>
+        </p:txBody>
+      </p:sp>
+      <p:sp>
+        <p:nvSpPr>
+          <p:cNvPr id="6" name="Oval 5">
+            <a:extLst>
+              <a:ext uri="{FF2B5EF4-FFF2-40B4-BE49-F238E27FC236}">
+                <a16:creationId xmlns:a16="http://schemas.microsoft.com/office/drawing/2014/main" id="{01AAF412-F6C2-8FFA-12D3-7043FF62DCFC}"/>
+              </a:ext>
+            </a:extLst>
+          </p:cNvPr>
+          <p:cNvSpPr/>
+          <p:nvPr/>
+        </p:nvSpPr>
+        <p:spPr>
+          <a:xfrm>
+            <a:off x="7848603" y="3428999"/>
+            <a:ext cx="795130" cy="377687"/>
+          </a:xfrm>
+          <a:prstGeom prst="ellipse">
+            <a:avLst/>
+          </a:prstGeom>
+          <a:noFill/>
+          <a:ln w="76200">
+            <a:solidFill>
+              <a:srgbClr val="C00000"/>
+            </a:solidFill>
+          </a:ln>
+        </p:spPr>
+        <p:style>
+          <a:lnRef idx="2">
+            <a:schemeClr val="accent1">
+              <a:shade val="50000"/>
+            </a:schemeClr>
+          </a:lnRef>
+          <a:fillRef idx="1">
+            <a:schemeClr val="accent1"/>
+          </a:fillRef>
+          <a:effectRef idx="0">
+            <a:schemeClr val="accent1"/>
+          </a:effectRef>
+          <a:fontRef idx="minor">
+            <a:schemeClr val="lt1"/>
+          </a:fontRef>
+        </p:style>
+        <p:txBody>
+          <a:bodyPr rtlCol="0" anchor="ctr"/>
+          <a:lstStyle/>
+          <a:p>
+            <a:pPr algn="ctr"/>
+            <a:endParaRPr lang="en-US"/>
+          </a:p>
+        </p:txBody>
+      </p:sp>
+      <p:sp>
+        <p:nvSpPr>
+          <p:cNvPr id="8" name="Oval 7">
+            <a:extLst>
+              <a:ext uri="{FF2B5EF4-FFF2-40B4-BE49-F238E27FC236}">
+                <a16:creationId xmlns:a16="http://schemas.microsoft.com/office/drawing/2014/main" id="{CB172CD1-63DA-1BE5-8CC4-ED666A036D20}"/>
+              </a:ext>
+            </a:extLst>
+          </p:cNvPr>
+          <p:cNvSpPr/>
+          <p:nvPr/>
+        </p:nvSpPr>
+        <p:spPr>
+          <a:xfrm>
+            <a:off x="9149178" y="3428998"/>
+            <a:ext cx="795130" cy="377687"/>
+          </a:xfrm>
+          <a:prstGeom prst="ellipse">
+            <a:avLst/>
+          </a:prstGeom>
+          <a:noFill/>
+          <a:ln w="76200">
+            <a:solidFill>
+              <a:srgbClr val="C00000"/>
+            </a:solidFill>
+          </a:ln>
+        </p:spPr>
+        <p:style>
+          <a:lnRef idx="2">
+            <a:schemeClr val="accent1">
+              <a:shade val="50000"/>
+            </a:schemeClr>
+          </a:lnRef>
+          <a:fillRef idx="1">
+            <a:schemeClr val="accent1"/>
+          </a:fillRef>
+          <a:effectRef idx="0">
+            <a:schemeClr val="accent1"/>
+          </a:effectRef>
+          <a:fontRef idx="minor">
+            <a:schemeClr val="lt1"/>
+          </a:fontRef>
+        </p:style>
+        <p:txBody>
+          <a:bodyPr rtlCol="0" anchor="ctr"/>
+          <a:lstStyle/>
+          <a:p>
+            <a:pPr algn="ctr"/>
+            <a:endParaRPr lang="en-US"/>
+          </a:p>
+        </p:txBody>
+      </p:sp>
+      <p:sp>
+        <p:nvSpPr>
+          <p:cNvPr id="2" name="Content Placeholder 2">
+            <a:extLst>
+              <a:ext uri="{FF2B5EF4-FFF2-40B4-BE49-F238E27FC236}">
+                <a16:creationId xmlns:a16="http://schemas.microsoft.com/office/drawing/2014/main" id="{D67CF6F0-506E-7A21-3123-F83816BD8E49}"/>
+              </a:ext>
+            </a:extLst>
+          </p:cNvPr>
+          <p:cNvSpPr txBox="1">
+            <a:spLocks/>
+          </p:cNvSpPr>
+          <p:nvPr/>
+        </p:nvSpPr>
+        <p:spPr>
+          <a:xfrm>
+            <a:off x="2028422" y="4287127"/>
+            <a:ext cx="8671560" cy="2662291"/>
+          </a:xfrm>
+          <a:prstGeom prst="rect">
+            <a:avLst/>
+          </a:prstGeom>
+        </p:spPr>
+        <p:txBody>
+          <a:bodyPr vert="horz" lIns="91440" tIns="45720" rIns="91440" bIns="45720" rtlCol="0">
+            <a:normAutofit/>
+          </a:bodyPr>
+          <a:lstStyle>
+            <a:lvl1pPr marL="0" indent="0" algn="ctr" defTabSz="914400" rtl="0" eaLnBrk="1" latinLnBrk="0" hangingPunct="1">
+              <a:lnSpc>
+                <a:spcPct val="90000"/>
+              </a:lnSpc>
+              <a:spcBef>
+                <a:spcPts val="1000"/>
+              </a:spcBef>
+              <a:buFont typeface="Arial" panose="020B0604020202020204" pitchFamily="34" charset="0"/>
+              <a:buNone/>
+              <a:defRPr sz="2400" kern="1200">
+                <a:solidFill>
+                  <a:schemeClr val="tx1"/>
+                </a:solidFill>
+                <a:latin typeface="+mn-lt"/>
+                <a:ea typeface="+mn-ea"/>
+                <a:cs typeface="+mn-cs"/>
+              </a:defRPr>
+            </a:lvl1pPr>
+            <a:lvl2pPr marL="457200" indent="0" algn="ctr" defTabSz="914400" rtl="0" eaLnBrk="1" latinLnBrk="0" hangingPunct="1">
+              <a:lnSpc>
+                <a:spcPct val="90000"/>
+              </a:lnSpc>
+              <a:spcBef>
+                <a:spcPts val="500"/>
+              </a:spcBef>
+              <a:buFont typeface="Arial" panose="020B0604020202020204" pitchFamily="34" charset="0"/>
+              <a:buNone/>
+              <a:defRPr sz="2000" kern="1200">
+                <a:solidFill>
+                  <a:schemeClr val="tx1"/>
+                </a:solidFill>
+                <a:latin typeface="+mn-lt"/>
+                <a:ea typeface="+mn-ea"/>
+                <a:cs typeface="+mn-cs"/>
+              </a:defRPr>
+            </a:lvl2pPr>
+            <a:lvl3pPr marL="914400" indent="0" algn="ctr" defTabSz="914400" rtl="0" eaLnBrk="1" latinLnBrk="0" hangingPunct="1">
+              <a:lnSpc>
+                <a:spcPct val="90000"/>
+              </a:lnSpc>
+              <a:spcBef>
+                <a:spcPts val="500"/>
+              </a:spcBef>
+              <a:buFont typeface="Arial" panose="020B0604020202020204" pitchFamily="34" charset="0"/>
+              <a:buNone/>
+              <a:defRPr sz="1800" kern="1200">
+                <a:solidFill>
+                  <a:schemeClr val="tx1"/>
+                </a:solidFill>
+                <a:latin typeface="+mn-lt"/>
+                <a:ea typeface="+mn-ea"/>
+                <a:cs typeface="+mn-cs"/>
+              </a:defRPr>
+            </a:lvl3pPr>
+            <a:lvl4pPr marL="1371600" indent="0" algn="ctr" defTabSz="914400" rtl="0" eaLnBrk="1" latinLnBrk="0" hangingPunct="1">
+              <a:lnSpc>
+                <a:spcPct val="90000"/>
+              </a:lnSpc>
+              <a:spcBef>
+                <a:spcPts val="500"/>
+              </a:spcBef>
+              <a:buFont typeface="Arial" panose="020B0604020202020204" pitchFamily="34" charset="0"/>
+              <a:buNone/>
+              <a:defRPr sz="1600" kern="1200">
+                <a:solidFill>
+                  <a:schemeClr val="tx1"/>
+                </a:solidFill>
+                <a:latin typeface="+mn-lt"/>
+                <a:ea typeface="+mn-ea"/>
+                <a:cs typeface="+mn-cs"/>
+              </a:defRPr>
+            </a:lvl4pPr>
+            <a:lvl5pPr marL="1828800" indent="0" algn="ctr" defTabSz="914400" rtl="0" eaLnBrk="1" latinLnBrk="0" hangingPunct="1">
+              <a:lnSpc>
+                <a:spcPct val="90000"/>
+              </a:lnSpc>
+              <a:spcBef>
+                <a:spcPts val="500"/>
+              </a:spcBef>
+              <a:buFont typeface="Arial" panose="020B0604020202020204" pitchFamily="34" charset="0"/>
+              <a:buNone/>
+              <a:defRPr sz="1600" kern="1200">
+                <a:solidFill>
+                  <a:schemeClr val="tx1"/>
+                </a:solidFill>
+                <a:latin typeface="+mn-lt"/>
+                <a:ea typeface="+mn-ea"/>
+                <a:cs typeface="+mn-cs"/>
+              </a:defRPr>
+            </a:lvl5pPr>
+            <a:lvl6pPr marL="2286000" indent="0" algn="ctr" defTabSz="914400" rtl="0" eaLnBrk="1" latinLnBrk="0" hangingPunct="1">
+              <a:lnSpc>
+                <a:spcPct val="90000"/>
+              </a:lnSpc>
+              <a:spcBef>
+                <a:spcPts val="500"/>
+              </a:spcBef>
+              <a:buFont typeface="Arial" panose="020B0604020202020204" pitchFamily="34" charset="0"/>
+              <a:buNone/>
+              <a:defRPr sz="1600" kern="1200">
+                <a:solidFill>
+                  <a:schemeClr val="tx1"/>
+                </a:solidFill>
+                <a:latin typeface="+mn-lt"/>
+                <a:ea typeface="+mn-ea"/>
+                <a:cs typeface="+mn-cs"/>
+              </a:defRPr>
+            </a:lvl6pPr>
+            <a:lvl7pPr marL="2743200" indent="0" algn="ctr" defTabSz="914400" rtl="0" eaLnBrk="1" latinLnBrk="0" hangingPunct="1">
+              <a:lnSpc>
+                <a:spcPct val="90000"/>
+              </a:lnSpc>
+              <a:spcBef>
+                <a:spcPts val="500"/>
+              </a:spcBef>
+              <a:buFont typeface="Arial" panose="020B0604020202020204" pitchFamily="34" charset="0"/>
+              <a:buNone/>
+              <a:defRPr sz="1600" kern="1200">
+                <a:solidFill>
+                  <a:schemeClr val="tx1"/>
+                </a:solidFill>
+                <a:latin typeface="+mn-lt"/>
+                <a:ea typeface="+mn-ea"/>
+                <a:cs typeface="+mn-cs"/>
+              </a:defRPr>
+            </a:lvl7pPr>
+            <a:lvl8pPr marL="3200400" indent="0" algn="ctr" defTabSz="914400" rtl="0" eaLnBrk="1" latinLnBrk="0" hangingPunct="1">
+              <a:lnSpc>
+                <a:spcPct val="90000"/>
+              </a:lnSpc>
+              <a:spcBef>
+                <a:spcPts val="500"/>
+              </a:spcBef>
+              <a:buFont typeface="Arial" panose="020B0604020202020204" pitchFamily="34" charset="0"/>
+              <a:buNone/>
+              <a:defRPr sz="1600" kern="1200">
+                <a:solidFill>
+                  <a:schemeClr val="tx1"/>
+                </a:solidFill>
+                <a:latin typeface="+mn-lt"/>
+                <a:ea typeface="+mn-ea"/>
+                <a:cs typeface="+mn-cs"/>
+              </a:defRPr>
+            </a:lvl8pPr>
+            <a:lvl9pPr marL="3657600" indent="0" algn="ctr" defTabSz="914400" rtl="0" eaLnBrk="1" latinLnBrk="0" hangingPunct="1">
+              <a:lnSpc>
+                <a:spcPct val="90000"/>
+              </a:lnSpc>
+              <a:spcBef>
+                <a:spcPts val="500"/>
+              </a:spcBef>
+              <a:buFont typeface="Arial" panose="020B0604020202020204" pitchFamily="34" charset="0"/>
+              <a:buNone/>
+              <a:defRPr sz="1600" kern="1200">
+                <a:solidFill>
+                  <a:schemeClr val="tx1"/>
+                </a:solidFill>
+                <a:latin typeface="+mn-lt"/>
+                <a:ea typeface="+mn-ea"/>
+                <a:cs typeface="+mn-cs"/>
+              </a:defRPr>
+            </a:lvl9pPr>
+          </a:lstStyle>
+          <a:p>
+            <a:pPr marL="342900" indent="-342900" algn="l">
+              <a:buFont typeface="Arial" panose="020B0604020202020204" pitchFamily="34" charset="0"/>
+              <a:buChar char="•"/>
+            </a:pPr>
+            <a:r>
+              <a:rPr lang="en-US" dirty="0"/>
+              <a:t>Stay in the seats during the exam</a:t>
+            </a:r>
+          </a:p>
+          <a:p>
+            <a:pPr marL="800100" lvl="1" indent="-342900" algn="l">
+              <a:buFont typeface="Arial" panose="020B0604020202020204" pitchFamily="34" charset="0"/>
+              <a:buChar char="•"/>
+            </a:pPr>
+            <a:r>
+              <a:rPr lang="en-US" dirty="0"/>
+              <a:t>Raise your hand if you have questions or want to turn in the exam early.</a:t>
+            </a:r>
+          </a:p>
+          <a:p>
+            <a:pPr marL="800100" lvl="1" indent="-342900" algn="l">
+              <a:buFont typeface="Arial" panose="020B0604020202020204" pitchFamily="34" charset="0"/>
+              <a:buChar char="•"/>
+            </a:pPr>
+            <a:r>
+              <a:rPr lang="en-US" dirty="0"/>
+              <a:t>When time is up, stop writing but </a:t>
+            </a:r>
+            <a:r>
+              <a:rPr lang="en-US" b="1" dirty="0"/>
+              <a:t>do not leave the seats</a:t>
+            </a:r>
+            <a:r>
+              <a:rPr lang="en-US" dirty="0"/>
+              <a:t>. </a:t>
+            </a:r>
+            <a:br>
+              <a:rPr lang="en-US" dirty="0"/>
+            </a:br>
+            <a:r>
+              <a:rPr lang="en-US" dirty="0"/>
+              <a:t>We’ll start to collect exam papers once everyone stops writing.</a:t>
+            </a:r>
+          </a:p>
+          <a:p>
+            <a:pPr marL="800100" lvl="1" indent="-342900" algn="l">
+              <a:buFont typeface="Arial" panose="020B0604020202020204" pitchFamily="34" charset="0"/>
+              <a:buChar char="•"/>
+            </a:pPr>
+            <a:r>
+              <a:rPr lang="en-US" dirty="0"/>
+              <a:t>Please don’t turn in exam papers within 5 minutes before the exam ends. </a:t>
+            </a:r>
+          </a:p>
+          <a:p>
+            <a:pPr marL="800100" lvl="1" indent="-342900" algn="l">
+              <a:buFont typeface="Arial" panose="020B0604020202020204" pitchFamily="34" charset="0"/>
+              <a:buChar char="•"/>
+            </a:pPr>
+            <a:endParaRPr lang="en-US" dirty="0"/>
+          </a:p>
+          <a:p>
+            <a:pPr marL="342900" indent="-342900" algn="l">
+              <a:buFont typeface="Arial" panose="020B0604020202020204" pitchFamily="34" charset="0"/>
+              <a:buChar char="•"/>
+            </a:pPr>
+            <a:r>
+              <a:rPr lang="en-US" dirty="0"/>
+              <a:t>By default, I don’t clarify questions individually.</a:t>
+            </a:r>
+          </a:p>
+        </p:txBody>
+      </p:sp>
+    </p:spTree>
+    <p:extLst>
+      <p:ext uri="{BB962C8B-B14F-4D97-AF65-F5344CB8AC3E}">
+        <p14:creationId xmlns:p14="http://schemas.microsoft.com/office/powerpoint/2010/main" val="3487417808"/>
+      </p:ext>
+    </p:extLst>
+  </p:cSld>
+  <p:clrMapOvr>
+    <a:masterClrMapping/>
+  </p:clrMapOvr>
+</p:sld>
+</file>
+
+<file path=ppt/slides/slide3.xml><?xml version="1.0" encoding="utf-8"?>
 <p:sld xmlns:a="http://schemas.openxmlformats.org/drawingml/2006/main" xmlns:r="http://schemas.openxmlformats.org/officeDocument/2006/relationships" xmlns:p="http://schemas.openxmlformats.org/presentationml/2006/main">
   <p:cSld>
     <p:spTree>
